--- a/Web/file/ITAOI2024海報格式範例.pptx
+++ b/Web/file/ITAOI2024海報格式範例.pptx
@@ -154,7 +154,7 @@
           </a:lstStyle>
           <a:p>
             <a:r>
-              <a:rPr lang="zh-TW" altLang="en-US" smtClean="0"/>
+              <a:rPr lang="zh-TW" altLang="en-US"/>
               <a:t>按一下以編輯母片標題樣式</a:t>
             </a:r>
             <a:endParaRPr lang="en-US" dirty="0"/>
@@ -219,7 +219,7 @@
           </a:lstStyle>
           <a:p>
             <a:r>
-              <a:rPr lang="zh-TW" altLang="en-US" smtClean="0"/>
+              <a:rPr lang="zh-TW" altLang="en-US"/>
               <a:t>按一下以編輯母片副標題樣式</a:t>
             </a:r>
             <a:endParaRPr lang="en-US" dirty="0"/>
@@ -243,7 +243,7 @@
           <a:p>
             <a:fld id="{6259E60E-C2CF-4C6D-AB52-35C0B9AC1DA7}" type="datetimeFigureOut">
               <a:rPr lang="zh-TW" altLang="en-US" smtClean="0"/>
-              <a:t>2024/1/16</a:t>
+              <a:t>2024/3/29</a:t>
             </a:fld>
             <a:endParaRPr lang="zh-TW" altLang="en-US"/>
           </a:p>
@@ -337,7 +337,7 @@
           <a:lstStyle/>
           <a:p>
             <a:r>
-              <a:rPr lang="zh-TW" altLang="en-US" smtClean="0"/>
+              <a:rPr lang="zh-TW" altLang="en-US"/>
               <a:t>按一下以編輯母片標題樣式</a:t>
             </a:r>
             <a:endParaRPr lang="en-US" dirty="0"/>
@@ -361,35 +361,35 @@
           <a:p>
             <a:pPr lvl="0"/>
             <a:r>
-              <a:rPr lang="zh-TW" altLang="en-US" smtClean="0"/>
+              <a:rPr lang="zh-TW" altLang="en-US"/>
               <a:t>編輯母片文字樣式</a:t>
             </a:r>
           </a:p>
           <a:p>
             <a:pPr lvl="1"/>
             <a:r>
-              <a:rPr lang="zh-TW" altLang="en-US" smtClean="0"/>
+              <a:rPr lang="zh-TW" altLang="en-US"/>
               <a:t>第二層</a:t>
             </a:r>
           </a:p>
           <a:p>
             <a:pPr lvl="2"/>
             <a:r>
-              <a:rPr lang="zh-TW" altLang="en-US" smtClean="0"/>
+              <a:rPr lang="zh-TW" altLang="en-US"/>
               <a:t>第三層</a:t>
             </a:r>
           </a:p>
           <a:p>
             <a:pPr lvl="3"/>
             <a:r>
-              <a:rPr lang="zh-TW" altLang="en-US" smtClean="0"/>
+              <a:rPr lang="zh-TW" altLang="en-US"/>
               <a:t>第四層</a:t>
             </a:r>
           </a:p>
           <a:p>
             <a:pPr lvl="4"/>
             <a:r>
-              <a:rPr lang="zh-TW" altLang="en-US" smtClean="0"/>
+              <a:rPr lang="zh-TW" altLang="en-US"/>
               <a:t>第五層</a:t>
             </a:r>
             <a:endParaRPr lang="en-US" dirty="0"/>
@@ -413,7 +413,7 @@
           <a:p>
             <a:fld id="{6259E60E-C2CF-4C6D-AB52-35C0B9AC1DA7}" type="datetimeFigureOut">
               <a:rPr lang="zh-TW" altLang="en-US" smtClean="0"/>
-              <a:t>2024/1/16</a:t>
+              <a:t>2024/3/29</a:t>
             </a:fld>
             <a:endParaRPr lang="zh-TW" altLang="en-US"/>
           </a:p>
@@ -512,7 +512,7 @@
           <a:lstStyle/>
           <a:p>
             <a:r>
-              <a:rPr lang="zh-TW" altLang="en-US" smtClean="0"/>
+              <a:rPr lang="zh-TW" altLang="en-US"/>
               <a:t>按一下以編輯母片標題樣式</a:t>
             </a:r>
             <a:endParaRPr lang="en-US" dirty="0"/>
@@ -541,35 +541,35 @@
           <a:p>
             <a:pPr lvl="0"/>
             <a:r>
-              <a:rPr lang="zh-TW" altLang="en-US" smtClean="0"/>
+              <a:rPr lang="zh-TW" altLang="en-US"/>
               <a:t>編輯母片文字樣式</a:t>
             </a:r>
           </a:p>
           <a:p>
             <a:pPr lvl="1"/>
             <a:r>
-              <a:rPr lang="zh-TW" altLang="en-US" smtClean="0"/>
+              <a:rPr lang="zh-TW" altLang="en-US"/>
               <a:t>第二層</a:t>
             </a:r>
           </a:p>
           <a:p>
             <a:pPr lvl="2"/>
             <a:r>
-              <a:rPr lang="zh-TW" altLang="en-US" smtClean="0"/>
+              <a:rPr lang="zh-TW" altLang="en-US"/>
               <a:t>第三層</a:t>
             </a:r>
           </a:p>
           <a:p>
             <a:pPr lvl="3"/>
             <a:r>
-              <a:rPr lang="zh-TW" altLang="en-US" smtClean="0"/>
+              <a:rPr lang="zh-TW" altLang="en-US"/>
               <a:t>第四層</a:t>
             </a:r>
           </a:p>
           <a:p>
             <a:pPr lvl="4"/>
             <a:r>
-              <a:rPr lang="zh-TW" altLang="en-US" smtClean="0"/>
+              <a:rPr lang="zh-TW" altLang="en-US"/>
               <a:t>第五層</a:t>
             </a:r>
             <a:endParaRPr lang="en-US" dirty="0"/>
@@ -593,7 +593,7 @@
           <a:p>
             <a:fld id="{6259E60E-C2CF-4C6D-AB52-35C0B9AC1DA7}" type="datetimeFigureOut">
               <a:rPr lang="zh-TW" altLang="en-US" smtClean="0"/>
-              <a:t>2024/1/16</a:t>
+              <a:t>2024/3/29</a:t>
             </a:fld>
             <a:endParaRPr lang="zh-TW" altLang="en-US"/>
           </a:p>
@@ -687,7 +687,7 @@
           <a:lstStyle/>
           <a:p>
             <a:r>
-              <a:rPr lang="zh-TW" altLang="en-US" smtClean="0"/>
+              <a:rPr lang="zh-TW" altLang="en-US"/>
               <a:t>按一下以編輯母片標題樣式</a:t>
             </a:r>
             <a:endParaRPr lang="en-US" dirty="0"/>
@@ -711,35 +711,35 @@
           <a:p>
             <a:pPr lvl="0"/>
             <a:r>
-              <a:rPr lang="zh-TW" altLang="en-US" smtClean="0"/>
+              <a:rPr lang="zh-TW" altLang="en-US"/>
               <a:t>編輯母片文字樣式</a:t>
             </a:r>
           </a:p>
           <a:p>
             <a:pPr lvl="1"/>
             <a:r>
-              <a:rPr lang="zh-TW" altLang="en-US" smtClean="0"/>
+              <a:rPr lang="zh-TW" altLang="en-US"/>
               <a:t>第二層</a:t>
             </a:r>
           </a:p>
           <a:p>
             <a:pPr lvl="2"/>
             <a:r>
-              <a:rPr lang="zh-TW" altLang="en-US" smtClean="0"/>
+              <a:rPr lang="zh-TW" altLang="en-US"/>
               <a:t>第三層</a:t>
             </a:r>
           </a:p>
           <a:p>
             <a:pPr lvl="3"/>
             <a:r>
-              <a:rPr lang="zh-TW" altLang="en-US" smtClean="0"/>
+              <a:rPr lang="zh-TW" altLang="en-US"/>
               <a:t>第四層</a:t>
             </a:r>
           </a:p>
           <a:p>
             <a:pPr lvl="4"/>
             <a:r>
-              <a:rPr lang="zh-TW" altLang="en-US" smtClean="0"/>
+              <a:rPr lang="zh-TW" altLang="en-US"/>
               <a:t>第五層</a:t>
             </a:r>
             <a:endParaRPr lang="en-US" dirty="0"/>
@@ -763,7 +763,7 @@
           <a:p>
             <a:fld id="{6259E60E-C2CF-4C6D-AB52-35C0B9AC1DA7}" type="datetimeFigureOut">
               <a:rPr lang="zh-TW" altLang="en-US" smtClean="0"/>
-              <a:t>2024/1/16</a:t>
+              <a:t>2024/3/29</a:t>
             </a:fld>
             <a:endParaRPr lang="zh-TW" altLang="en-US"/>
           </a:p>
@@ -866,7 +866,7 @@
           </a:lstStyle>
           <a:p>
             <a:r>
-              <a:rPr lang="zh-TW" altLang="en-US" smtClean="0"/>
+              <a:rPr lang="zh-TW" altLang="en-US"/>
               <a:t>按一下以編輯母片標題樣式</a:t>
             </a:r>
             <a:endParaRPr lang="en-US" dirty="0"/>
@@ -984,7 +984,7 @@
           <a:p>
             <a:pPr lvl="0"/>
             <a:r>
-              <a:rPr lang="zh-TW" altLang="en-US" smtClean="0"/>
+              <a:rPr lang="zh-TW" altLang="en-US"/>
               <a:t>編輯母片文字樣式</a:t>
             </a:r>
           </a:p>
@@ -1007,7 +1007,7 @@
           <a:p>
             <a:fld id="{6259E60E-C2CF-4C6D-AB52-35C0B9AC1DA7}" type="datetimeFigureOut">
               <a:rPr lang="zh-TW" altLang="en-US" smtClean="0"/>
-              <a:t>2024/1/16</a:t>
+              <a:t>2024/3/29</a:t>
             </a:fld>
             <a:endParaRPr lang="zh-TW" altLang="en-US"/>
           </a:p>
@@ -1101,7 +1101,7 @@
           <a:lstStyle/>
           <a:p>
             <a:r>
-              <a:rPr lang="zh-TW" altLang="en-US" smtClean="0"/>
+              <a:rPr lang="zh-TW" altLang="en-US"/>
               <a:t>按一下以編輯母片標題樣式</a:t>
             </a:r>
             <a:endParaRPr lang="en-US" dirty="0"/>
@@ -1130,35 +1130,35 @@
           <a:p>
             <a:pPr lvl="0"/>
             <a:r>
-              <a:rPr lang="zh-TW" altLang="en-US" smtClean="0"/>
+              <a:rPr lang="zh-TW" altLang="en-US"/>
               <a:t>編輯母片文字樣式</a:t>
             </a:r>
           </a:p>
           <a:p>
             <a:pPr lvl="1"/>
             <a:r>
-              <a:rPr lang="zh-TW" altLang="en-US" smtClean="0"/>
+              <a:rPr lang="zh-TW" altLang="en-US"/>
               <a:t>第二層</a:t>
             </a:r>
           </a:p>
           <a:p>
             <a:pPr lvl="2"/>
             <a:r>
-              <a:rPr lang="zh-TW" altLang="en-US" smtClean="0"/>
+              <a:rPr lang="zh-TW" altLang="en-US"/>
               <a:t>第三層</a:t>
             </a:r>
           </a:p>
           <a:p>
             <a:pPr lvl="3"/>
             <a:r>
-              <a:rPr lang="zh-TW" altLang="en-US" smtClean="0"/>
+              <a:rPr lang="zh-TW" altLang="en-US"/>
               <a:t>第四層</a:t>
             </a:r>
           </a:p>
           <a:p>
             <a:pPr lvl="4"/>
             <a:r>
-              <a:rPr lang="zh-TW" altLang="en-US" smtClean="0"/>
+              <a:rPr lang="zh-TW" altLang="en-US"/>
               <a:t>第五層</a:t>
             </a:r>
             <a:endParaRPr lang="en-US" dirty="0"/>
@@ -1187,35 +1187,35 @@
           <a:p>
             <a:pPr lvl="0"/>
             <a:r>
-              <a:rPr lang="zh-TW" altLang="en-US" smtClean="0"/>
+              <a:rPr lang="zh-TW" altLang="en-US"/>
               <a:t>編輯母片文字樣式</a:t>
             </a:r>
           </a:p>
           <a:p>
             <a:pPr lvl="1"/>
             <a:r>
-              <a:rPr lang="zh-TW" altLang="en-US" smtClean="0"/>
+              <a:rPr lang="zh-TW" altLang="en-US"/>
               <a:t>第二層</a:t>
             </a:r>
           </a:p>
           <a:p>
             <a:pPr lvl="2"/>
             <a:r>
-              <a:rPr lang="zh-TW" altLang="en-US" smtClean="0"/>
+              <a:rPr lang="zh-TW" altLang="en-US"/>
               <a:t>第三層</a:t>
             </a:r>
           </a:p>
           <a:p>
             <a:pPr lvl="3"/>
             <a:r>
-              <a:rPr lang="zh-TW" altLang="en-US" smtClean="0"/>
+              <a:rPr lang="zh-TW" altLang="en-US"/>
               <a:t>第四層</a:t>
             </a:r>
           </a:p>
           <a:p>
             <a:pPr lvl="4"/>
             <a:r>
-              <a:rPr lang="zh-TW" altLang="en-US" smtClean="0"/>
+              <a:rPr lang="zh-TW" altLang="en-US"/>
               <a:t>第五層</a:t>
             </a:r>
             <a:endParaRPr lang="en-US" dirty="0"/>
@@ -1239,7 +1239,7 @@
           <a:p>
             <a:fld id="{6259E60E-C2CF-4C6D-AB52-35C0B9AC1DA7}" type="datetimeFigureOut">
               <a:rPr lang="zh-TW" altLang="en-US" smtClean="0"/>
-              <a:t>2024/1/16</a:t>
+              <a:t>2024/3/29</a:t>
             </a:fld>
             <a:endParaRPr lang="zh-TW" altLang="en-US"/>
           </a:p>
@@ -1338,7 +1338,7 @@
           <a:lstStyle/>
           <a:p>
             <a:r>
-              <a:rPr lang="zh-TW" altLang="en-US" smtClean="0"/>
+              <a:rPr lang="zh-TW" altLang="en-US"/>
               <a:t>按一下以編輯母片標題樣式</a:t>
             </a:r>
             <a:endParaRPr lang="en-US" dirty="0"/>
@@ -1404,7 +1404,7 @@
           <a:p>
             <a:pPr lvl="0"/>
             <a:r>
-              <a:rPr lang="zh-TW" altLang="en-US" smtClean="0"/>
+              <a:rPr lang="zh-TW" altLang="en-US"/>
               <a:t>編輯母片文字樣式</a:t>
             </a:r>
           </a:p>
@@ -1432,35 +1432,35 @@
           <a:p>
             <a:pPr lvl="0"/>
             <a:r>
-              <a:rPr lang="zh-TW" altLang="en-US" smtClean="0"/>
+              <a:rPr lang="zh-TW" altLang="en-US"/>
               <a:t>編輯母片文字樣式</a:t>
             </a:r>
           </a:p>
           <a:p>
             <a:pPr lvl="1"/>
             <a:r>
-              <a:rPr lang="zh-TW" altLang="en-US" smtClean="0"/>
+              <a:rPr lang="zh-TW" altLang="en-US"/>
               <a:t>第二層</a:t>
             </a:r>
           </a:p>
           <a:p>
             <a:pPr lvl="2"/>
             <a:r>
-              <a:rPr lang="zh-TW" altLang="en-US" smtClean="0"/>
+              <a:rPr lang="zh-TW" altLang="en-US"/>
               <a:t>第三層</a:t>
             </a:r>
           </a:p>
           <a:p>
             <a:pPr lvl="3"/>
             <a:r>
-              <a:rPr lang="zh-TW" altLang="en-US" smtClean="0"/>
+              <a:rPr lang="zh-TW" altLang="en-US"/>
               <a:t>第四層</a:t>
             </a:r>
           </a:p>
           <a:p>
             <a:pPr lvl="4"/>
             <a:r>
-              <a:rPr lang="zh-TW" altLang="en-US" smtClean="0"/>
+              <a:rPr lang="zh-TW" altLang="en-US"/>
               <a:t>第五層</a:t>
             </a:r>
             <a:endParaRPr lang="en-US" dirty="0"/>
@@ -1526,7 +1526,7 @@
           <a:p>
             <a:pPr lvl="0"/>
             <a:r>
-              <a:rPr lang="zh-TW" altLang="en-US" smtClean="0"/>
+              <a:rPr lang="zh-TW" altLang="en-US"/>
               <a:t>編輯母片文字樣式</a:t>
             </a:r>
           </a:p>
@@ -1554,35 +1554,35 @@
           <a:p>
             <a:pPr lvl="0"/>
             <a:r>
-              <a:rPr lang="zh-TW" altLang="en-US" smtClean="0"/>
+              <a:rPr lang="zh-TW" altLang="en-US"/>
               <a:t>編輯母片文字樣式</a:t>
             </a:r>
           </a:p>
           <a:p>
             <a:pPr lvl="1"/>
             <a:r>
-              <a:rPr lang="zh-TW" altLang="en-US" smtClean="0"/>
+              <a:rPr lang="zh-TW" altLang="en-US"/>
               <a:t>第二層</a:t>
             </a:r>
           </a:p>
           <a:p>
             <a:pPr lvl="2"/>
             <a:r>
-              <a:rPr lang="zh-TW" altLang="en-US" smtClean="0"/>
+              <a:rPr lang="zh-TW" altLang="en-US"/>
               <a:t>第三層</a:t>
             </a:r>
           </a:p>
           <a:p>
             <a:pPr lvl="3"/>
             <a:r>
-              <a:rPr lang="zh-TW" altLang="en-US" smtClean="0"/>
+              <a:rPr lang="zh-TW" altLang="en-US"/>
               <a:t>第四層</a:t>
             </a:r>
           </a:p>
           <a:p>
             <a:pPr lvl="4"/>
             <a:r>
-              <a:rPr lang="zh-TW" altLang="en-US" smtClean="0"/>
+              <a:rPr lang="zh-TW" altLang="en-US"/>
               <a:t>第五層</a:t>
             </a:r>
             <a:endParaRPr lang="en-US" dirty="0"/>
@@ -1606,7 +1606,7 @@
           <a:p>
             <a:fld id="{6259E60E-C2CF-4C6D-AB52-35C0B9AC1DA7}" type="datetimeFigureOut">
               <a:rPr lang="zh-TW" altLang="en-US" smtClean="0"/>
-              <a:t>2024/1/16</a:t>
+              <a:t>2024/3/29</a:t>
             </a:fld>
             <a:endParaRPr lang="zh-TW" altLang="en-US"/>
           </a:p>
@@ -1700,7 +1700,7 @@
           <a:lstStyle/>
           <a:p>
             <a:r>
-              <a:rPr lang="zh-TW" altLang="en-US" smtClean="0"/>
+              <a:rPr lang="zh-TW" altLang="en-US"/>
               <a:t>按一下以編輯母片標題樣式</a:t>
             </a:r>
             <a:endParaRPr lang="en-US" dirty="0"/>
@@ -1724,7 +1724,7 @@
           <a:p>
             <a:fld id="{6259E60E-C2CF-4C6D-AB52-35C0B9AC1DA7}" type="datetimeFigureOut">
               <a:rPr lang="zh-TW" altLang="en-US" smtClean="0"/>
-              <a:t>2024/1/16</a:t>
+              <a:t>2024/3/29</a:t>
             </a:fld>
             <a:endParaRPr lang="zh-TW" altLang="en-US"/>
           </a:p>
@@ -1819,7 +1819,7 @@
           <a:p>
             <a:fld id="{6259E60E-C2CF-4C6D-AB52-35C0B9AC1DA7}" type="datetimeFigureOut">
               <a:rPr lang="zh-TW" altLang="en-US" smtClean="0"/>
-              <a:t>2024/1/16</a:t>
+              <a:t>2024/3/29</a:t>
             </a:fld>
             <a:endParaRPr lang="zh-TW" altLang="en-US"/>
           </a:p>
@@ -1922,7 +1922,7 @@
           </a:lstStyle>
           <a:p>
             <a:r>
-              <a:rPr lang="zh-TW" altLang="en-US" smtClean="0"/>
+              <a:rPr lang="zh-TW" altLang="en-US"/>
               <a:t>按一下以編輯母片標題樣式</a:t>
             </a:r>
             <a:endParaRPr lang="en-US" dirty="0"/>
@@ -1979,35 +1979,35 @@
           <a:p>
             <a:pPr lvl="0"/>
             <a:r>
-              <a:rPr lang="zh-TW" altLang="en-US" smtClean="0"/>
+              <a:rPr lang="zh-TW" altLang="en-US"/>
               <a:t>編輯母片文字樣式</a:t>
             </a:r>
           </a:p>
           <a:p>
             <a:pPr lvl="1"/>
             <a:r>
-              <a:rPr lang="zh-TW" altLang="en-US" smtClean="0"/>
+              <a:rPr lang="zh-TW" altLang="en-US"/>
               <a:t>第二層</a:t>
             </a:r>
           </a:p>
           <a:p>
             <a:pPr lvl="2"/>
             <a:r>
-              <a:rPr lang="zh-TW" altLang="en-US" smtClean="0"/>
+              <a:rPr lang="zh-TW" altLang="en-US"/>
               <a:t>第三層</a:t>
             </a:r>
           </a:p>
           <a:p>
             <a:pPr lvl="3"/>
             <a:r>
-              <a:rPr lang="zh-TW" altLang="en-US" smtClean="0"/>
+              <a:rPr lang="zh-TW" altLang="en-US"/>
               <a:t>第四層</a:t>
             </a:r>
           </a:p>
           <a:p>
             <a:pPr lvl="4"/>
             <a:r>
-              <a:rPr lang="zh-TW" altLang="en-US" smtClean="0"/>
+              <a:rPr lang="zh-TW" altLang="en-US"/>
               <a:t>第五層</a:t>
             </a:r>
             <a:endParaRPr lang="en-US" dirty="0"/>
@@ -2073,7 +2073,7 @@
           <a:p>
             <a:pPr lvl="0"/>
             <a:r>
-              <a:rPr lang="zh-TW" altLang="en-US" smtClean="0"/>
+              <a:rPr lang="zh-TW" altLang="en-US"/>
               <a:t>編輯母片文字樣式</a:t>
             </a:r>
           </a:p>
@@ -2096,7 +2096,7 @@
           <a:p>
             <a:fld id="{6259E60E-C2CF-4C6D-AB52-35C0B9AC1DA7}" type="datetimeFigureOut">
               <a:rPr lang="zh-TW" altLang="en-US" smtClean="0"/>
-              <a:t>2024/1/16</a:t>
+              <a:t>2024/3/29</a:t>
             </a:fld>
             <a:endParaRPr lang="zh-TW" altLang="en-US"/>
           </a:p>
@@ -2199,7 +2199,7 @@
           </a:lstStyle>
           <a:p>
             <a:r>
-              <a:rPr lang="zh-TW" altLang="en-US" smtClean="0"/>
+              <a:rPr lang="zh-TW" altLang="en-US"/>
               <a:t>按一下以編輯母片標題樣式</a:t>
             </a:r>
             <a:endParaRPr lang="en-US" dirty="0"/>
@@ -2264,7 +2264,7 @@
           </a:lstStyle>
           <a:p>
             <a:r>
-              <a:rPr lang="zh-TW" altLang="en-US" smtClean="0"/>
+              <a:rPr lang="zh-TW" altLang="en-US"/>
               <a:t>按一下圖示以新增圖片</a:t>
             </a:r>
             <a:endParaRPr lang="en-US" dirty="0"/>
@@ -2330,7 +2330,7 @@
           <a:p>
             <a:pPr lvl="0"/>
             <a:r>
-              <a:rPr lang="zh-TW" altLang="en-US" smtClean="0"/>
+              <a:rPr lang="zh-TW" altLang="en-US"/>
               <a:t>編輯母片文字樣式</a:t>
             </a:r>
           </a:p>
@@ -2353,7 +2353,7 @@
           <a:p>
             <a:fld id="{6259E60E-C2CF-4C6D-AB52-35C0B9AC1DA7}" type="datetimeFigureOut">
               <a:rPr lang="zh-TW" altLang="en-US" smtClean="0"/>
-              <a:t>2024/1/16</a:t>
+              <a:t>2024/3/29</a:t>
             </a:fld>
             <a:endParaRPr lang="zh-TW" altLang="en-US"/>
           </a:p>
@@ -2462,7 +2462,7 @@
           <a:lstStyle/>
           <a:p>
             <a:r>
-              <a:rPr lang="zh-TW" altLang="en-US" smtClean="0"/>
+              <a:rPr lang="zh-TW" altLang="en-US"/>
               <a:t>按一下以編輯母片標題樣式</a:t>
             </a:r>
             <a:endParaRPr lang="en-US" dirty="0"/>
@@ -2496,35 +2496,35 @@
           <a:p>
             <a:pPr lvl="0"/>
             <a:r>
-              <a:rPr lang="zh-TW" altLang="en-US" smtClean="0"/>
+              <a:rPr lang="zh-TW" altLang="en-US"/>
               <a:t>編輯母片文字樣式</a:t>
             </a:r>
           </a:p>
           <a:p>
             <a:pPr lvl="1"/>
             <a:r>
-              <a:rPr lang="zh-TW" altLang="en-US" smtClean="0"/>
+              <a:rPr lang="zh-TW" altLang="en-US"/>
               <a:t>第二層</a:t>
             </a:r>
           </a:p>
           <a:p>
             <a:pPr lvl="2"/>
             <a:r>
-              <a:rPr lang="zh-TW" altLang="en-US" smtClean="0"/>
+              <a:rPr lang="zh-TW" altLang="en-US"/>
               <a:t>第三層</a:t>
             </a:r>
           </a:p>
           <a:p>
             <a:pPr lvl="3"/>
             <a:r>
-              <a:rPr lang="zh-TW" altLang="en-US" smtClean="0"/>
+              <a:rPr lang="zh-TW" altLang="en-US"/>
               <a:t>第四層</a:t>
             </a:r>
           </a:p>
           <a:p>
             <a:pPr lvl="4"/>
             <a:r>
-              <a:rPr lang="zh-TW" altLang="en-US" smtClean="0"/>
+              <a:rPr lang="zh-TW" altLang="en-US"/>
               <a:t>第五層</a:t>
             </a:r>
             <a:endParaRPr lang="en-US" dirty="0"/>
@@ -2566,7 +2566,7 @@
           <a:p>
             <a:fld id="{6259E60E-C2CF-4C6D-AB52-35C0B9AC1DA7}" type="datetimeFigureOut">
               <a:rPr lang="zh-TW" altLang="en-US" smtClean="0"/>
-              <a:t>2024/1/16</a:t>
+              <a:t>2024/3/29</a:t>
             </a:fld>
             <a:endParaRPr lang="zh-TW" altLang="en-US"/>
           </a:p>
@@ -3385,14 +3385,7 @@
                 <a:latin typeface="Times New Roman" panose="02020603050405020304" pitchFamily="18" charset="0"/>
                 <a:ea typeface="標楷體" panose="03000509000000000000" pitchFamily="65" charset="-120"/>
               </a:rPr>
-              <a:t>海報一張，並於研討會當天張貼於研討會</a:t>
-            </a:r>
-            <a:r>
-              <a:rPr lang="zh-TW" altLang="en-US" sz="4800" dirty="0" smtClean="0">
-                <a:latin typeface="Times New Roman" panose="02020603050405020304" pitchFamily="18" charset="0"/>
-                <a:ea typeface="標楷體" panose="03000509000000000000" pitchFamily="65" charset="-120"/>
-              </a:rPr>
-              <a:t>會場。</a:t>
+              <a:t>海報一張，並於研討會當天張貼於研討會會場。</a:t>
             </a:r>
             <a:endParaRPr lang="en-US" altLang="zh-TW" sz="4800" dirty="0">
               <a:latin typeface="Times New Roman" panose="02020603050405020304" pitchFamily="18" charset="0"/>
@@ -3405,13 +3398,13 @@
               <a:buAutoNum type="arabicPeriod"/>
             </a:pPr>
             <a:r>
-              <a:rPr lang="zh-TW" altLang="en-US" sz="4800" dirty="0" smtClean="0">
+              <a:rPr lang="zh-TW" altLang="en-US" sz="4800" dirty="0">
                 <a:latin typeface="Times New Roman" panose="02020603050405020304" pitchFamily="18" charset="0"/>
                 <a:ea typeface="標楷體" panose="03000509000000000000" pitchFamily="65" charset="-120"/>
               </a:rPr>
               <a:t>海報發表採一篇論文一面看板 </a:t>
             </a:r>
-            <a:endParaRPr lang="en-US" altLang="zh-TW" sz="4800" dirty="0" smtClean="0">
+            <a:endParaRPr lang="en-US" altLang="zh-TW" sz="4800" dirty="0">
               <a:latin typeface="Times New Roman" panose="02020603050405020304" pitchFamily="18" charset="0"/>
               <a:ea typeface="標楷體" panose="03000509000000000000" pitchFamily="65" charset="-120"/>
             </a:endParaRPr>
@@ -3422,18 +3415,11 @@
               <a:buAutoNum type="arabicPeriod"/>
             </a:pPr>
             <a:r>
-              <a:rPr lang="zh-TW" altLang="en-US" sz="4800" dirty="0" smtClean="0">
-                <a:latin typeface="Times New Roman" panose="02020603050405020304" pitchFamily="18" charset="0"/>
-                <a:ea typeface="標楷體" panose="03000509000000000000" pitchFamily="65" charset="-120"/>
-              </a:rPr>
-              <a:t>此次</a:t>
-            </a:r>
-            <a:r>
               <a:rPr lang="zh-TW" altLang="en-US" sz="4800" dirty="0">
                 <a:latin typeface="Times New Roman" panose="02020603050405020304" pitchFamily="18" charset="0"/>
                 <a:ea typeface="標楷體" panose="03000509000000000000" pitchFamily="65" charset="-120"/>
               </a:rPr>
-              <a:t>研討會之海報版面尺寸 </a:t>
+              <a:t>此次研討會之海報版面尺寸 </a:t>
             </a:r>
             <a:r>
               <a:rPr lang="en-US" altLang="zh-TW" sz="4800" dirty="0">
@@ -3544,27 +3530,13 @@
               <a:buAutoNum type="arabicPeriod"/>
             </a:pPr>
             <a:r>
-              <a:rPr lang="zh-TW" altLang="en-US" sz="4800" dirty="0" smtClean="0">
-                <a:latin typeface="Times New Roman" panose="02020603050405020304" pitchFamily="18" charset="0"/>
-                <a:ea typeface="標楷體" panose="03000509000000000000" pitchFamily="65" charset="-120"/>
-              </a:rPr>
-              <a:t>圖表</a:t>
-            </a:r>
-            <a:r>
               <a:rPr lang="zh-TW" altLang="en-US" sz="4800" dirty="0">
                 <a:latin typeface="Times New Roman" panose="02020603050405020304" pitchFamily="18" charset="0"/>
                 <a:ea typeface="標楷體" panose="03000509000000000000" pitchFamily="65" charset="-120"/>
               </a:rPr>
-              <a:t>需以良好解析度呈現</a:t>
-            </a:r>
-            <a:r>
-              <a:rPr lang="zh-TW" altLang="en-US" sz="4800" dirty="0" smtClean="0">
-                <a:latin typeface="Times New Roman" panose="02020603050405020304" pitchFamily="18" charset="0"/>
-                <a:ea typeface="標楷體" panose="03000509000000000000" pitchFamily="65" charset="-120"/>
-              </a:rPr>
-              <a:t>。</a:t>
-            </a:r>
-            <a:endParaRPr lang="en-US" altLang="zh-TW" sz="4800" dirty="0" smtClean="0">
+              <a:t>圖表需以良好解析度呈現。</a:t>
+            </a:r>
+            <a:endParaRPr lang="en-US" altLang="zh-TW" sz="4800" dirty="0">
               <a:latin typeface="Times New Roman" panose="02020603050405020304" pitchFamily="18" charset="0"/>
               <a:ea typeface="標楷體" panose="03000509000000000000" pitchFamily="65" charset="-120"/>
             </a:endParaRPr>
@@ -3575,7 +3547,7 @@
               <a:buChar char="l"/>
             </a:pPr>
             <a:r>
-              <a:rPr lang="zh-TW" altLang="en-US" sz="4800" dirty="0" smtClean="0">
+              <a:rPr lang="zh-TW" altLang="en-US" sz="4800" dirty="0">
                 <a:latin typeface="Times New Roman" panose="02020603050405020304" pitchFamily="18" charset="0"/>
                 <a:ea typeface="標楷體" panose="03000509000000000000" pitchFamily="65" charset="-120"/>
               </a:rPr>
@@ -3592,32 +3564,11 @@
               <a:buAutoNum type="arabicPeriod"/>
             </a:pPr>
             <a:r>
-              <a:rPr lang="zh-TW" altLang="en-US" sz="4800" dirty="0" smtClean="0">
-                <a:latin typeface="Times New Roman" panose="02020603050405020304" pitchFamily="18" charset="0"/>
-                <a:ea typeface="標楷體" panose="03000509000000000000" pitchFamily="65" charset="-120"/>
-              </a:rPr>
-              <a:t>海報</a:t>
-            </a:r>
-            <a:r>
               <a:rPr lang="zh-TW" altLang="en-US" sz="4800" dirty="0">
                 <a:latin typeface="Times New Roman" panose="02020603050405020304" pitchFamily="18" charset="0"/>
                 <a:ea typeface="標楷體" panose="03000509000000000000" pitchFamily="65" charset="-120"/>
               </a:rPr>
-              <a:t>需有「</a:t>
-            </a:r>
-            <a:r>
-              <a:rPr lang="zh-TW" altLang="en-US" sz="4800" dirty="0" smtClean="0">
-                <a:latin typeface="Times New Roman" panose="02020603050405020304" pitchFamily="18" charset="0"/>
-                <a:ea typeface="標楷體" panose="03000509000000000000" pitchFamily="65" charset="-120"/>
-              </a:rPr>
-              <a:t>第二十二屆</a:t>
-            </a:r>
-            <a:r>
-              <a:rPr lang="zh-TW" altLang="en-US" sz="4800" dirty="0">
-                <a:latin typeface="Times New Roman" panose="02020603050405020304" pitchFamily="18" charset="0"/>
-                <a:ea typeface="標楷體" panose="03000509000000000000" pitchFamily="65" charset="-120"/>
-              </a:rPr>
-              <a:t>離島資訊技術與應用研討會」字樣 </a:t>
+              <a:t>海報需有「第二十二屆離島資訊技術與應用研討會」字樣 </a:t>
             </a:r>
             <a:endParaRPr lang="en-US" altLang="zh-TW" sz="4800" dirty="0">
               <a:latin typeface="Times New Roman" panose="02020603050405020304" pitchFamily="18" charset="0"/>
@@ -3630,18 +3581,11 @@
               <a:buAutoNum type="arabicPeriod"/>
             </a:pPr>
             <a:r>
-              <a:rPr lang="zh-TW" altLang="en-US" sz="4800" dirty="0" smtClean="0">
-                <a:latin typeface="Times New Roman" panose="02020603050405020304" pitchFamily="18" charset="0"/>
-                <a:ea typeface="標楷體" panose="03000509000000000000" pitchFamily="65" charset="-120"/>
-              </a:rPr>
-              <a:t>論</a:t>
-            </a:r>
-            <a:r>
               <a:rPr lang="zh-TW" altLang="en-US" sz="4800" dirty="0">
                 <a:latin typeface="Times New Roman" panose="02020603050405020304" pitchFamily="18" charset="0"/>
                 <a:ea typeface="標楷體" panose="03000509000000000000" pitchFamily="65" charset="-120"/>
               </a:rPr>
-              <a:t>文題目：</a:t>
+              <a:t>論文題目：</a:t>
             </a:r>
             <a:r>
               <a:rPr lang="en-US" altLang="zh-TW" sz="4800" dirty="0" err="1">
@@ -3657,10 +3601,6 @@
               </a:rPr>
               <a:t> </a:t>
             </a:r>
-            <a:endParaRPr lang="en-US" altLang="zh-TW" sz="4800" dirty="0" smtClean="0">
-              <a:latin typeface="Times New Roman" panose="02020603050405020304" pitchFamily="18" charset="0"/>
-              <a:ea typeface="標楷體" panose="03000509000000000000" pitchFamily="65" charset="-120"/>
-            </a:endParaRPr>
           </a:p>
           <a:p>
             <a:pPr marL="2057400" lvl="2" indent="-914400" algn="just">
@@ -3668,18 +3608,11 @@
               <a:buAutoNum type="arabicPeriod"/>
             </a:pPr>
             <a:r>
-              <a:rPr lang="zh-TW" altLang="en-US" sz="4800" dirty="0" smtClean="0">
-                <a:latin typeface="Times New Roman" panose="02020603050405020304" pitchFamily="18" charset="0"/>
-                <a:ea typeface="標楷體" panose="03000509000000000000" pitchFamily="65" charset="-120"/>
-              </a:rPr>
-              <a:t>作者</a:t>
-            </a:r>
-            <a:r>
               <a:rPr lang="zh-TW" altLang="en-US" sz="4800" dirty="0">
                 <a:latin typeface="Times New Roman" panose="02020603050405020304" pitchFamily="18" charset="0"/>
                 <a:ea typeface="標楷體" panose="03000509000000000000" pitchFamily="65" charset="-120"/>
               </a:rPr>
-              <a:t>姓名：</a:t>
+              <a:t>作者姓名：</a:t>
             </a:r>
             <a:r>
               <a:rPr lang="en-US" altLang="zh-TW" sz="4800" dirty="0">
@@ -3730,10 +3663,6 @@
               </a:rPr>
               <a:t>xxx </a:t>
             </a:r>
-            <a:endParaRPr lang="en-US" altLang="zh-TW" sz="4800" dirty="0" smtClean="0">
-              <a:latin typeface="Times New Roman" panose="02020603050405020304" pitchFamily="18" charset="0"/>
-              <a:ea typeface="標楷體" panose="03000509000000000000" pitchFamily="65" charset="-120"/>
-            </a:endParaRPr>
           </a:p>
           <a:p>
             <a:pPr marL="2057400" lvl="2" indent="-914400" algn="just">
@@ -3741,18 +3670,11 @@
               <a:buAutoNum type="arabicPeriod"/>
             </a:pPr>
             <a:r>
-              <a:rPr lang="zh-TW" altLang="en-US" sz="4800" dirty="0" smtClean="0">
-                <a:latin typeface="Times New Roman" panose="02020603050405020304" pitchFamily="18" charset="0"/>
-                <a:ea typeface="標楷體" panose="03000509000000000000" pitchFamily="65" charset="-120"/>
-              </a:rPr>
-              <a:t>學校</a:t>
-            </a:r>
-            <a:r>
               <a:rPr lang="zh-TW" altLang="en-US" sz="4800" dirty="0">
                 <a:latin typeface="Times New Roman" panose="02020603050405020304" pitchFamily="18" charset="0"/>
                 <a:ea typeface="標楷體" panose="03000509000000000000" pitchFamily="65" charset="-120"/>
               </a:rPr>
-              <a:t>單位及系所名稱：</a:t>
+              <a:t>學校單位及系所名稱：</a:t>
             </a:r>
             <a:r>
               <a:rPr lang="en-US" altLang="zh-TW" sz="4800" dirty="0" err="1">
@@ -3769,7 +3691,7 @@
               <a:t> </a:t>
             </a:r>
             <a:r>
-              <a:rPr lang="en-US" altLang="zh-TW" sz="4800" dirty="0" err="1" smtClean="0">
+              <a:rPr lang="en-US" altLang="zh-TW" sz="4800" dirty="0" err="1">
                 <a:latin typeface="Times New Roman" panose="02020603050405020304" pitchFamily="18" charset="0"/>
                 <a:ea typeface="標楷體" panose="03000509000000000000" pitchFamily="65" charset="-120"/>
               </a:rPr>
@@ -3835,14 +3757,7 @@
                 <a:latin typeface="Times New Roman" panose="02020603050405020304" pitchFamily="18" charset="0"/>
                 <a:ea typeface="標楷體" panose="03000509000000000000" pitchFamily="65" charset="-120"/>
               </a:rPr>
-              <a:t>注意事項</a:t>
-            </a:r>
-            <a:r>
-              <a:rPr lang="zh-TW" altLang="en-US" sz="4800" dirty="0" smtClean="0">
-                <a:latin typeface="Times New Roman" panose="02020603050405020304" pitchFamily="18" charset="0"/>
-                <a:ea typeface="標楷體" panose="03000509000000000000" pitchFamily="65" charset="-120"/>
-              </a:rPr>
-              <a:t>：</a:t>
+              <a:t>注意事項：</a:t>
             </a:r>
             <a:endParaRPr lang="en-US" altLang="zh-TW" sz="4800" dirty="0">
               <a:latin typeface="Times New Roman" panose="02020603050405020304" pitchFamily="18" charset="0"/>
@@ -3855,18 +3770,11 @@
               <a:buAutoNum type="arabicPeriod"/>
             </a:pPr>
             <a:r>
-              <a:rPr lang="zh-TW" altLang="en-US" sz="4800" dirty="0" smtClean="0">
-                <a:latin typeface="Times New Roman" panose="02020603050405020304" pitchFamily="18" charset="0"/>
-                <a:ea typeface="標楷體" panose="03000509000000000000" pitchFamily="65" charset="-120"/>
-              </a:rPr>
-              <a:t>海報</a:t>
-            </a:r>
-            <a:r>
               <a:rPr lang="zh-TW" altLang="en-US" sz="4800" dirty="0">
                 <a:latin typeface="Times New Roman" panose="02020603050405020304" pitchFamily="18" charset="0"/>
                 <a:ea typeface="標楷體" panose="03000509000000000000" pitchFamily="65" charset="-120"/>
               </a:rPr>
-              <a:t>請自行輸出，並於研討會發表日當天自行張貼。 </a:t>
+              <a:t>海報請自行輸出，並於研討會發表日當天自行張貼。 </a:t>
             </a:r>
             <a:endParaRPr lang="en-US" altLang="zh-TW" sz="4800" dirty="0">
               <a:latin typeface="Times New Roman" panose="02020603050405020304" pitchFamily="18" charset="0"/>
@@ -3879,18 +3787,11 @@
               <a:buAutoNum type="arabicPeriod"/>
             </a:pPr>
             <a:r>
-              <a:rPr lang="zh-TW" altLang="en-US" sz="4800" dirty="0" smtClean="0">
-                <a:latin typeface="Times New Roman" panose="02020603050405020304" pitchFamily="18" charset="0"/>
-                <a:ea typeface="標楷體" panose="03000509000000000000" pitchFamily="65" charset="-120"/>
-              </a:rPr>
-              <a:t>會議</a:t>
-            </a:r>
-            <a:r>
               <a:rPr lang="zh-TW" altLang="en-US" sz="4800" dirty="0">
                 <a:latin typeface="Times New Roman" panose="02020603050405020304" pitchFamily="18" charset="0"/>
                 <a:ea typeface="標楷體" panose="03000509000000000000" pitchFamily="65" charset="-120"/>
               </a:rPr>
-              <a:t>一週前將於研討會網頁公告議程</a:t>
+              <a:t>會議一週前將於研討會網頁公告議程</a:t>
             </a:r>
             <a:r>
               <a:rPr lang="en-US" altLang="zh-TW" sz="4800" dirty="0">
@@ -3932,14 +3833,7 @@
                 <a:latin typeface="Times New Roman" panose="02020603050405020304" pitchFamily="18" charset="0"/>
                 <a:ea typeface="標楷體" panose="03000509000000000000" pitchFamily="65" charset="-120"/>
               </a:rPr>
-              <a:t>分鐘抵達會場報到、簽到後張貼。 論文發表時段請全程參與，並向與會來賓報告成果內容 </a:t>
-            </a:r>
-            <a:r>
-              <a:rPr lang="zh-TW" altLang="en-US" sz="4800" dirty="0" smtClean="0">
-                <a:latin typeface="Times New Roman" panose="02020603050405020304" pitchFamily="18" charset="0"/>
-                <a:ea typeface="標楷體" panose="03000509000000000000" pitchFamily="65" charset="-120"/>
-              </a:rPr>
-              <a:t>。</a:t>
+              <a:t>分鐘抵達會場報到、簽到後張貼。 論文發表時段請全程參與，並向與會來賓報告成果內容 。</a:t>
             </a:r>
             <a:endParaRPr lang="en-US" altLang="zh-TW" sz="4800" dirty="0">
               <a:latin typeface="Times New Roman" panose="02020603050405020304" pitchFamily="18" charset="0"/>
@@ -3952,107 +3846,81 @@
               <a:buChar char="l"/>
             </a:pPr>
             <a:r>
-              <a:rPr lang="zh-TW" altLang="en-US" sz="4800" dirty="0" smtClean="0">
-                <a:latin typeface="Times New Roman" panose="02020603050405020304" pitchFamily="18" charset="0"/>
-                <a:ea typeface="標楷體" panose="03000509000000000000" pitchFamily="65" charset="-120"/>
-              </a:rPr>
-              <a:t>大會</a:t>
-            </a:r>
-            <a:r>
               <a:rPr lang="zh-TW" altLang="en-US" sz="4800" dirty="0">
                 <a:latin typeface="Times New Roman" panose="02020603050405020304" pitchFamily="18" charset="0"/>
                 <a:ea typeface="標楷體" panose="03000509000000000000" pitchFamily="65" charset="-120"/>
               </a:rPr>
-              <a:t>僅提供海報板架，並無提供單槍、投影機、麥克風等設 備。</a:t>
-            </a:r>
-          </a:p>
-        </p:txBody>
-      </p:sp>
-      <p:grpSp>
-        <p:nvGrpSpPr>
-          <p:cNvPr id="14" name="群組 13"/>
-          <p:cNvGrpSpPr/>
+              <a:t>大會僅提供海報板架，並無提供單槍、投影機、麥克風等設 備。</a:t>
+            </a:r>
+          </a:p>
+        </p:txBody>
+      </p:sp>
+      <p:pic>
+        <p:nvPicPr>
+          <p:cNvPr id="12" name="圖片 11"/>
+          <p:cNvPicPr>
+            <a:picLocks noChangeAspect="1"/>
+          </p:cNvPicPr>
           <p:nvPr/>
-        </p:nvGrpSpPr>
-        <p:grpSpPr>
+        </p:nvPicPr>
+        <p:blipFill>
+          <a:blip r:embed="rId2">
+            <a:extLst>
+              <a:ext uri="{28A0092B-C50C-407E-A947-70E740481C1C}">
+                <a14:useLocalDpi xmlns:a14="http://schemas.microsoft.com/office/drawing/2010/main" val="0"/>
+              </a:ext>
+            </a:extLst>
+          </a:blip>
+          <a:stretch>
+            <a:fillRect/>
+          </a:stretch>
+        </p:blipFill>
+        <p:spPr>
           <a:xfrm>
             <a:off x="0" y="0"/>
             <a:ext cx="21599525" cy="3734918"/>
-            <a:chOff x="0" y="0"/>
-            <a:chExt cx="21599525" cy="3734918"/>
           </a:xfrm>
-        </p:grpSpPr>
-        <p:pic>
-          <p:nvPicPr>
-            <p:cNvPr id="12" name="圖片 11"/>
-            <p:cNvPicPr>
-              <a:picLocks noChangeAspect="1"/>
-            </p:cNvPicPr>
-            <p:nvPr/>
-          </p:nvPicPr>
-          <p:blipFill>
-            <a:blip r:embed="rId2">
-              <a:extLst>
-                <a:ext uri="{28A0092B-C50C-407E-A947-70E740481C1C}">
-                  <a14:useLocalDpi xmlns:a14="http://schemas.microsoft.com/office/drawing/2010/main" val="0"/>
-                </a:ext>
-              </a:extLst>
-            </a:blip>
-            <a:stretch>
-              <a:fillRect/>
-            </a:stretch>
-          </p:blipFill>
-          <p:spPr>
-            <a:xfrm>
-              <a:off x="0" y="0"/>
-              <a:ext cx="21599525" cy="3734918"/>
-            </a:xfrm>
-            <a:prstGeom prst="rect">
-              <a:avLst/>
-            </a:prstGeom>
-          </p:spPr>
-        </p:pic>
-        <p:pic>
-          <p:nvPicPr>
-            <p:cNvPr id="13" name="圖片 12"/>
-            <p:cNvPicPr>
-              <a:picLocks noChangeAspect="1"/>
-            </p:cNvPicPr>
-            <p:nvPr/>
-          </p:nvPicPr>
-          <p:blipFill>
-            <a:blip r:embed="rId3">
-              <a:clrChange>
-                <a:clrFrom>
-                  <a:srgbClr val="FFFFFF"/>
-                </a:clrFrom>
-                <a:clrTo>
-                  <a:srgbClr val="FFFFFF">
-                    <a:alpha val="0"/>
-                  </a:srgbClr>
-                </a:clrTo>
-              </a:clrChange>
-              <a:extLst>
-                <a:ext uri="{28A0092B-C50C-407E-A947-70E740481C1C}">
-                  <a14:useLocalDpi xmlns:a14="http://schemas.microsoft.com/office/drawing/2010/main" val="0"/>
-                </a:ext>
-              </a:extLst>
-            </a:blip>
-            <a:stretch>
-              <a:fillRect/>
-            </a:stretch>
-          </p:blipFill>
-          <p:spPr>
-            <a:xfrm>
-              <a:off x="641189" y="211737"/>
-              <a:ext cx="8718233" cy="2211705"/>
-            </a:xfrm>
-            <a:prstGeom prst="rect">
-              <a:avLst/>
-            </a:prstGeom>
-          </p:spPr>
-        </p:pic>
-      </p:grpSp>
+          <a:prstGeom prst="rect">
+            <a:avLst/>
+          </a:prstGeom>
+        </p:spPr>
+      </p:pic>
+      <p:pic>
+        <p:nvPicPr>
+          <p:cNvPr id="3" name="圖片 2">
+            <a:extLst>
+              <a:ext uri="{FF2B5EF4-FFF2-40B4-BE49-F238E27FC236}">
+                <a16:creationId xmlns:a16="http://schemas.microsoft.com/office/drawing/2014/main" id="{F949101F-64D9-46FD-BE3F-E8F9A0629E20}"/>
+              </a:ext>
+            </a:extLst>
+          </p:cNvPr>
+          <p:cNvPicPr>
+            <a:picLocks noChangeAspect="1"/>
+          </p:cNvPicPr>
+          <p:nvPr/>
+        </p:nvPicPr>
+        <p:blipFill>
+          <a:blip r:embed="rId3">
+            <a:extLst>
+              <a:ext uri="{28A0092B-C50C-407E-A947-70E740481C1C}">
+                <a14:useLocalDpi xmlns:a14="http://schemas.microsoft.com/office/drawing/2010/main" val="0"/>
+              </a:ext>
+            </a:extLst>
+          </a:blip>
+          <a:stretch>
+            <a:fillRect/>
+          </a:stretch>
+        </p:blipFill>
+        <p:spPr>
+          <a:xfrm>
+            <a:off x="56583" y="157937"/>
+            <a:ext cx="10344150" cy="2625823"/>
+          </a:xfrm>
+          <a:prstGeom prst="rect">
+            <a:avLst/>
+          </a:prstGeom>
+        </p:spPr>
+      </p:pic>
     </p:spTree>
     <p:extLst>
       <p:ext uri="{BB962C8B-B14F-4D97-AF65-F5344CB8AC3E}">
